--- a/프레젠테이션1.pptx11212-민지성.pptx
+++ b/프레젠테이션1.pptx11212-민지성.pptx
@@ -15660,6 +15660,93 @@
           </a:p>
         </p:txBody>
       </p:sp>
+      <p:sp>
+        <p:nvSpPr>
+          <p:cNvPr id="23" name="순서도: 문서 22"/>
+          <p:cNvSpPr/>
+          <p:nvPr/>
+        </p:nvSpPr>
+        <p:spPr>
+          <a:xfrm>
+            <a:off x="5623559" y="3742712"/>
+            <a:ext cx="1105593" cy="714894"/>
+          </a:xfrm>
+          <a:prstGeom prst="flowChartDocument">
+            <a:avLst/>
+          </a:prstGeom>
+          <a:solidFill>
+            <a:schemeClr val="accent6">
+              <a:lumMod val="60000"/>
+              <a:lumOff val="40000"/>
+            </a:schemeClr>
+          </a:solidFill>
+          <a:ln>
+            <a:solidFill>
+              <a:schemeClr val="tx1"/>
+            </a:solidFill>
+          </a:ln>
+        </p:spPr>
+        <p:style>
+          <a:lnRef idx="2">
+            <a:schemeClr val="accent1">
+              <a:shade val="50000"/>
+            </a:schemeClr>
+          </a:lnRef>
+          <a:fillRef idx="1">
+            <a:schemeClr val="accent1"/>
+          </a:fillRef>
+          <a:effectRef idx="0">
+            <a:schemeClr val="accent1"/>
+          </a:effectRef>
+          <a:fontRef idx="minor">
+            <a:schemeClr val="lt1"/>
+          </a:fontRef>
+        </p:style>
+        <p:txBody>
+          <a:bodyPr rtlCol="0" anchor="ctr"/>
+          <a:lstStyle/>
+          <a:p>
+            <a:pPr algn="ctr"/>
+            <a:r>
+              <a:rPr lang="ko-KR" altLang="en-US" dirty="0" smtClean="0">
+                <a:solidFill>
+                  <a:schemeClr val="tx1"/>
+                </a:solidFill>
+                <a:latin typeface="돋움" panose="020B0600000101010101" pitchFamily="50" charset="-127"/>
+                <a:ea typeface="돋움" panose="020B0600000101010101" pitchFamily="50" charset="-127"/>
+              </a:rPr>
+              <a:t>아메리</a:t>
+            </a:r>
+            <a:endParaRPr lang="en-US" altLang="ko-KR" dirty="0" smtClean="0">
+              <a:solidFill>
+                <a:schemeClr val="tx1"/>
+              </a:solidFill>
+              <a:latin typeface="돋움" panose="020B0600000101010101" pitchFamily="50" charset="-127"/>
+              <a:ea typeface="돋움" panose="020B0600000101010101" pitchFamily="50" charset="-127"/>
+            </a:endParaRPr>
+          </a:p>
+          <a:p>
+            <a:pPr algn="ctr"/>
+            <a:r>
+              <a:rPr lang="ko-KR" altLang="en-US" smtClean="0">
+                <a:solidFill>
+                  <a:schemeClr val="tx1"/>
+                </a:solidFill>
+                <a:latin typeface="돋움" panose="020B0600000101010101" pitchFamily="50" charset="-127"/>
+                <a:ea typeface="돋움" panose="020B0600000101010101" pitchFamily="50" charset="-127"/>
+              </a:rPr>
+              <a:t>카노</a:t>
+            </a:r>
+            <a:endParaRPr lang="ko-KR" altLang="en-US">
+              <a:solidFill>
+                <a:schemeClr val="tx1"/>
+              </a:solidFill>
+              <a:latin typeface="돋움" panose="020B0600000101010101" pitchFamily="50" charset="-127"/>
+              <a:ea typeface="돋움" panose="020B0600000101010101" pitchFamily="50" charset="-127"/>
+            </a:endParaRPr>
+          </a:p>
+        </p:txBody>
+      </p:sp>
     </p:spTree>
     <p:extLst>
       <p:ext uri="{BB962C8B-B14F-4D97-AF65-F5344CB8AC3E}">
